--- a/聊天室.pptx
+++ b/聊天室.pptx
@@ -1,6 +1,6 @@
 
 <file path=ppt/presentation.xml><?xml version="1.0" encoding="utf-8"?>
-<p:presentation xmlns:a="http://schemas.openxmlformats.org/drawingml/2006/main" xmlns:r="http://schemas.openxmlformats.org/officeDocument/2006/relationships" xmlns:p="http://schemas.openxmlformats.org/presentationml/2006/main" saveSubsetFonts="1">
+<p:presentation xmlns:a="http://schemas.openxmlformats.org/drawingml/2006/main" xmlns:r="http://schemas.openxmlformats.org/officeDocument/2006/relationships" xmlns:p="http://schemas.openxmlformats.org/presentationml/2006/main">
   <p:sldMasterIdLst>
     <p:sldMasterId id="2147483648" r:id="rId1"/>
   </p:sldMasterIdLst>
@@ -42,7 +42,7 @@
           <a:schemeClr val="tx1"/>
         </a:solidFill>
         <a:latin typeface="Calibri" pitchFamily="34" charset="0"/>
-        <a:ea typeface="宋体" charset="-122"/>
+        <a:ea typeface="宋体" pitchFamily="2" charset="-122"/>
         <a:cs typeface="+mn-cs"/>
       </a:defRPr>
     </a:lvl1pPr>
@@ -58,7 +58,7 @@
           <a:schemeClr val="tx1"/>
         </a:solidFill>
         <a:latin typeface="Calibri" pitchFamily="34" charset="0"/>
-        <a:ea typeface="宋体" charset="-122"/>
+        <a:ea typeface="宋体" pitchFamily="2" charset="-122"/>
         <a:cs typeface="+mn-cs"/>
       </a:defRPr>
     </a:lvl2pPr>
@@ -74,7 +74,7 @@
           <a:schemeClr val="tx1"/>
         </a:solidFill>
         <a:latin typeface="Calibri" pitchFamily="34" charset="0"/>
-        <a:ea typeface="宋体" charset="-122"/>
+        <a:ea typeface="宋体" pitchFamily="2" charset="-122"/>
         <a:cs typeface="+mn-cs"/>
       </a:defRPr>
     </a:lvl3pPr>
@@ -90,7 +90,7 @@
           <a:schemeClr val="tx1"/>
         </a:solidFill>
         <a:latin typeface="Calibri" pitchFamily="34" charset="0"/>
-        <a:ea typeface="宋体" charset="-122"/>
+        <a:ea typeface="宋体" pitchFamily="2" charset="-122"/>
         <a:cs typeface="+mn-cs"/>
       </a:defRPr>
     </a:lvl4pPr>
@@ -106,7 +106,7 @@
           <a:schemeClr val="tx1"/>
         </a:solidFill>
         <a:latin typeface="Calibri" pitchFamily="34" charset="0"/>
-        <a:ea typeface="宋体" charset="-122"/>
+        <a:ea typeface="宋体" pitchFamily="2" charset="-122"/>
         <a:cs typeface="+mn-cs"/>
       </a:defRPr>
     </a:lvl5pPr>
@@ -116,7 +116,7 @@
           <a:schemeClr val="tx1"/>
         </a:solidFill>
         <a:latin typeface="Calibri" pitchFamily="34" charset="0"/>
-        <a:ea typeface="宋体" charset="-122"/>
+        <a:ea typeface="宋体" pitchFamily="2" charset="-122"/>
         <a:cs typeface="+mn-cs"/>
       </a:defRPr>
     </a:lvl6pPr>
@@ -126,7 +126,7 @@
           <a:schemeClr val="tx1"/>
         </a:solidFill>
         <a:latin typeface="Calibri" pitchFamily="34" charset="0"/>
-        <a:ea typeface="宋体" charset="-122"/>
+        <a:ea typeface="宋体" pitchFamily="2" charset="-122"/>
         <a:cs typeface="+mn-cs"/>
       </a:defRPr>
     </a:lvl7pPr>
@@ -136,7 +136,7 @@
           <a:schemeClr val="tx1"/>
         </a:solidFill>
         <a:latin typeface="Calibri" pitchFamily="34" charset="0"/>
-        <a:ea typeface="宋体" charset="-122"/>
+        <a:ea typeface="宋体" pitchFamily="2" charset="-122"/>
         <a:cs typeface="+mn-cs"/>
       </a:defRPr>
     </a:lvl8pPr>
@@ -146,7 +146,7 @@
           <a:schemeClr val="tx1"/>
         </a:solidFill>
         <a:latin typeface="Calibri" pitchFamily="34" charset="0"/>
-        <a:ea typeface="宋体" charset="-122"/>
+        <a:ea typeface="宋体" pitchFamily="2" charset="-122"/>
         <a:cs typeface="+mn-cs"/>
       </a:defRPr>
     </a:lvl9pPr>
@@ -1963,7 +1963,7 @@
             <a:schemeClr val="tx1"/>
           </a:solidFill>
           <a:latin typeface="Calibri" pitchFamily="34" charset="0"/>
-          <a:ea typeface="宋体" charset="-122"/>
+          <a:ea typeface="宋体" pitchFamily="2" charset="-122"/>
         </a:defRPr>
       </a:lvl2pPr>
       <a:lvl3pPr algn="ctr" rtl="0" fontAlgn="base">
@@ -1978,7 +1978,7 @@
             <a:schemeClr val="tx1"/>
           </a:solidFill>
           <a:latin typeface="Calibri" pitchFamily="34" charset="0"/>
-          <a:ea typeface="宋体" charset="-122"/>
+          <a:ea typeface="宋体" pitchFamily="2" charset="-122"/>
         </a:defRPr>
       </a:lvl3pPr>
       <a:lvl4pPr algn="ctr" rtl="0" fontAlgn="base">
@@ -1993,7 +1993,7 @@
             <a:schemeClr val="tx1"/>
           </a:solidFill>
           <a:latin typeface="Calibri" pitchFamily="34" charset="0"/>
-          <a:ea typeface="宋体" charset="-122"/>
+          <a:ea typeface="宋体" pitchFamily="2" charset="-122"/>
         </a:defRPr>
       </a:lvl4pPr>
       <a:lvl5pPr algn="ctr" rtl="0" fontAlgn="base">
@@ -2008,7 +2008,7 @@
             <a:schemeClr val="tx1"/>
           </a:solidFill>
           <a:latin typeface="Calibri" pitchFamily="34" charset="0"/>
-          <a:ea typeface="宋体" charset="-122"/>
+          <a:ea typeface="宋体" pitchFamily="2" charset="-122"/>
         </a:defRPr>
       </a:lvl5pPr>
       <a:lvl6pPr marL="457200" algn="ctr" rtl="0" fontAlgn="base">
@@ -2023,7 +2023,7 @@
             <a:schemeClr val="tx1"/>
           </a:solidFill>
           <a:latin typeface="Calibri" pitchFamily="34" charset="0"/>
-          <a:ea typeface="宋体" charset="-122"/>
+          <a:ea typeface="宋体" pitchFamily="2" charset="-122"/>
         </a:defRPr>
       </a:lvl6pPr>
       <a:lvl7pPr marL="914400" algn="ctr" rtl="0" fontAlgn="base">
@@ -2038,7 +2038,7 @@
             <a:schemeClr val="tx1"/>
           </a:solidFill>
           <a:latin typeface="Calibri" pitchFamily="34" charset="0"/>
-          <a:ea typeface="宋体" charset="-122"/>
+          <a:ea typeface="宋体" pitchFamily="2" charset="-122"/>
         </a:defRPr>
       </a:lvl7pPr>
       <a:lvl8pPr marL="1371600" algn="ctr" rtl="0" fontAlgn="base">
@@ -2053,7 +2053,7 @@
             <a:schemeClr val="tx1"/>
           </a:solidFill>
           <a:latin typeface="Calibri" pitchFamily="34" charset="0"/>
-          <a:ea typeface="宋体" charset="-122"/>
+          <a:ea typeface="宋体" pitchFamily="2" charset="-122"/>
         </a:defRPr>
       </a:lvl8pPr>
       <a:lvl9pPr marL="1828800" algn="ctr" rtl="0" fontAlgn="base">
@@ -2068,7 +2068,7 @@
             <a:schemeClr val="tx1"/>
           </a:solidFill>
           <a:latin typeface="Calibri" pitchFamily="34" charset="0"/>
-          <a:ea typeface="宋体" charset="-122"/>
+          <a:ea typeface="宋体" pitchFamily="2" charset="-122"/>
         </a:defRPr>
       </a:lvl9pPr>
     </p:titleStyle>
@@ -2080,7 +2080,7 @@
         <a:spcAft>
           <a:spcPct val="0"/>
         </a:spcAft>
-        <a:buFont typeface="Arial" charset="0"/>
+        <a:buFont typeface="Arial" panose="02080604020202020204" pitchFamily="34" charset="0"/>
         <a:buChar char="•"/>
         <a:defRPr sz="4265" kern="1200">
           <a:solidFill>
@@ -2098,7 +2098,7 @@
         <a:spcAft>
           <a:spcPct val="0"/>
         </a:spcAft>
-        <a:buFont typeface="Arial" charset="0"/>
+        <a:buFont typeface="Arial" panose="02080604020202020204" pitchFamily="34" charset="0"/>
         <a:buChar char="–"/>
         <a:defRPr sz="3735" kern="1200">
           <a:solidFill>
@@ -2116,7 +2116,7 @@
         <a:spcAft>
           <a:spcPct val="0"/>
         </a:spcAft>
-        <a:buFont typeface="Arial" charset="0"/>
+        <a:buFont typeface="Arial" panose="02080604020202020204" pitchFamily="34" charset="0"/>
         <a:buChar char="•"/>
         <a:defRPr sz="3200" kern="1200">
           <a:solidFill>
@@ -2134,7 +2134,7 @@
         <a:spcAft>
           <a:spcPct val="0"/>
         </a:spcAft>
-        <a:buFont typeface="Arial" charset="0"/>
+        <a:buFont typeface="Arial" panose="02080604020202020204" pitchFamily="34" charset="0"/>
         <a:buChar char="–"/>
         <a:defRPr sz="2665" kern="1200">
           <a:solidFill>
@@ -2152,7 +2152,7 @@
         <a:spcAft>
           <a:spcPct val="0"/>
         </a:spcAft>
-        <a:buFont typeface="Arial" charset="0"/>
+        <a:buFont typeface="Arial" panose="02080604020202020204" pitchFamily="34" charset="0"/>
         <a:buChar char="»"/>
         <a:defRPr sz="2665" kern="1200">
           <a:solidFill>
@@ -2167,7 +2167,7 @@
         <a:spcBef>
           <a:spcPts val="130"/>
         </a:spcBef>
-        <a:buFont typeface="Arial" charset="0"/>
+        <a:buFont typeface="Arial" panose="02080604020202020204" pitchFamily="34" charset="0"/>
         <a:buChar char="•"/>
         <a:defRPr sz="2665" kern="1200">
           <a:solidFill>
@@ -2182,7 +2182,7 @@
         <a:spcBef>
           <a:spcPts val="130"/>
         </a:spcBef>
-        <a:buFont typeface="Arial" charset="0"/>
+        <a:buFont typeface="Arial" panose="02080604020202020204" pitchFamily="34" charset="0"/>
         <a:buChar char="•"/>
         <a:defRPr sz="2665" kern="1200">
           <a:solidFill>
@@ -2197,7 +2197,7 @@
         <a:spcBef>
           <a:spcPts val="130"/>
         </a:spcBef>
-        <a:buFont typeface="Arial" charset="0"/>
+        <a:buFont typeface="Arial" panose="02080604020202020204" pitchFamily="34" charset="0"/>
         <a:buChar char="•"/>
         <a:defRPr sz="2665" kern="1200">
           <a:solidFill>
@@ -2212,7 +2212,7 @@
         <a:spcBef>
           <a:spcPts val="130"/>
         </a:spcBef>
-        <a:buFont typeface="Arial" charset="0"/>
+        <a:buFont typeface="Arial" panose="02080604020202020204" pitchFamily="34" charset="0"/>
         <a:buChar char="•"/>
         <a:defRPr sz="2665" kern="1200">
           <a:solidFill>
@@ -3731,7 +3731,7 @@
                   <a:schemeClr val="tx1"/>
                 </a:solidFill>
                 <a:latin typeface="Calibri" pitchFamily="34" charset="0"/>
-                <a:ea typeface="宋体" charset="-122"/>
+                <a:ea typeface="宋体" pitchFamily="2" charset="-122"/>
               </a:defRPr>
             </a:lvl1pPr>
             <a:lvl2pPr marL="742950" indent="-285750">
@@ -3740,7 +3740,7 @@
                   <a:schemeClr val="tx1"/>
                 </a:solidFill>
                 <a:latin typeface="Calibri" pitchFamily="34" charset="0"/>
-                <a:ea typeface="宋体" charset="-122"/>
+                <a:ea typeface="宋体" pitchFamily="2" charset="-122"/>
               </a:defRPr>
             </a:lvl2pPr>
             <a:lvl3pPr marL="1143000" indent="-228600">
@@ -3749,7 +3749,7 @@
                   <a:schemeClr val="tx1"/>
                 </a:solidFill>
                 <a:latin typeface="Calibri" pitchFamily="34" charset="0"/>
-                <a:ea typeface="宋体" charset="-122"/>
+                <a:ea typeface="宋体" pitchFamily="2" charset="-122"/>
               </a:defRPr>
             </a:lvl3pPr>
             <a:lvl4pPr marL="1600200" indent="-228600">
@@ -3758,7 +3758,7 @@
                   <a:schemeClr val="tx1"/>
                 </a:solidFill>
                 <a:latin typeface="Calibri" pitchFamily="34" charset="0"/>
-                <a:ea typeface="宋体" charset="-122"/>
+                <a:ea typeface="宋体" pitchFamily="2" charset="-122"/>
               </a:defRPr>
             </a:lvl4pPr>
             <a:lvl5pPr marL="2057400" indent="-228600">
@@ -3767,7 +3767,7 @@
                   <a:schemeClr val="tx1"/>
                 </a:solidFill>
                 <a:latin typeface="Calibri" pitchFamily="34" charset="0"/>
-                <a:ea typeface="宋体" charset="-122"/>
+                <a:ea typeface="宋体" pitchFamily="2" charset="-122"/>
               </a:defRPr>
             </a:lvl5pPr>
             <a:lvl6pPr marL="2514600" indent="-228600" eaLnBrk="0" fontAlgn="base" hangingPunct="0">
@@ -3782,7 +3782,7 @@
                   <a:schemeClr val="tx1"/>
                 </a:solidFill>
                 <a:latin typeface="Calibri" pitchFamily="34" charset="0"/>
-                <a:ea typeface="宋体" charset="-122"/>
+                <a:ea typeface="宋体" pitchFamily="2" charset="-122"/>
               </a:defRPr>
             </a:lvl6pPr>
             <a:lvl7pPr marL="2971800" indent="-228600" eaLnBrk="0" fontAlgn="base" hangingPunct="0">
@@ -3797,7 +3797,7 @@
                   <a:schemeClr val="tx1"/>
                 </a:solidFill>
                 <a:latin typeface="Calibri" pitchFamily="34" charset="0"/>
-                <a:ea typeface="宋体" charset="-122"/>
+                <a:ea typeface="宋体" pitchFamily="2" charset="-122"/>
               </a:defRPr>
             </a:lvl7pPr>
             <a:lvl8pPr marL="3429000" indent="-228600" eaLnBrk="0" fontAlgn="base" hangingPunct="0">
@@ -3812,7 +3812,7 @@
                   <a:schemeClr val="tx1"/>
                 </a:solidFill>
                 <a:latin typeface="Calibri" pitchFamily="34" charset="0"/>
-                <a:ea typeface="宋体" charset="-122"/>
+                <a:ea typeface="宋体" pitchFamily="2" charset="-122"/>
               </a:defRPr>
             </a:lvl8pPr>
             <a:lvl9pPr marL="3886200" indent="-228600" eaLnBrk="0" fontAlgn="base" hangingPunct="0">
@@ -3827,7 +3827,7 @@
                   <a:schemeClr val="tx1"/>
                 </a:solidFill>
                 <a:latin typeface="Calibri" pitchFamily="34" charset="0"/>
-                <a:ea typeface="宋体" charset="-122"/>
+                <a:ea typeface="宋体" pitchFamily="2" charset="-122"/>
               </a:defRPr>
             </a:lvl9pPr>
           </a:lstStyle>
@@ -3881,7 +3881,7 @@
                 </a:solidFill>
                 <a:latin typeface="微软雅黑" pitchFamily="34" charset="-122"/>
                 <a:ea typeface="微软雅黑" pitchFamily="34" charset="-122"/>
-                <a:cs typeface="Arial" charset="0"/>
+                <a:cs typeface="Arial" panose="02080604020202020204" pitchFamily="34" charset="0"/>
               </a:rPr>
               <a:t>2017年暑假留校项目,关于Linux网络编程相关知识的文字界面聊天室</a:t>
             </a:r>
@@ -3891,7 +3891,7 @@
               </a:solidFill>
               <a:latin typeface="微软雅黑" pitchFamily="34" charset="-122"/>
               <a:ea typeface="微软雅黑" pitchFamily="34" charset="-122"/>
-              <a:cs typeface="Arial" charset="0"/>
+              <a:cs typeface="Arial" panose="02080604020202020204" pitchFamily="34" charset="0"/>
             </a:endParaRPr>
           </a:p>
         </p:txBody>
@@ -5648,8 +5648,8 @@
                 <a:solidFill>
                   <a:schemeClr val="tx1"/>
                 </a:solidFill>
-                <a:latin typeface="Arial" charset="0"/>
-                <a:ea typeface="宋体" charset="-122"/>
+                <a:latin typeface="Arial" panose="02080604020202020204" pitchFamily="34" charset="0"/>
+                <a:ea typeface="宋体" pitchFamily="2" charset="-122"/>
               </a:defRPr>
             </a:lvl1pPr>
             <a:lvl2pPr marL="742950" indent="-285750" eaLnBrk="0" hangingPunct="0">
@@ -5657,8 +5657,8 @@
                 <a:solidFill>
                   <a:schemeClr val="tx1"/>
                 </a:solidFill>
-                <a:latin typeface="Arial" charset="0"/>
-                <a:ea typeface="宋体" charset="-122"/>
+                <a:latin typeface="Arial" panose="02080604020202020204" pitchFamily="34" charset="0"/>
+                <a:ea typeface="宋体" pitchFamily="2" charset="-122"/>
               </a:defRPr>
             </a:lvl2pPr>
             <a:lvl3pPr marL="1143000" indent="-228600" eaLnBrk="0" hangingPunct="0">
@@ -5666,8 +5666,8 @@
                 <a:solidFill>
                   <a:schemeClr val="tx1"/>
                 </a:solidFill>
-                <a:latin typeface="Arial" charset="0"/>
-                <a:ea typeface="宋体" charset="-122"/>
+                <a:latin typeface="Arial" panose="02080604020202020204" pitchFamily="34" charset="0"/>
+                <a:ea typeface="宋体" pitchFamily="2" charset="-122"/>
               </a:defRPr>
             </a:lvl3pPr>
             <a:lvl4pPr marL="1600200" indent="-228600" eaLnBrk="0" hangingPunct="0">
@@ -5675,8 +5675,8 @@
                 <a:solidFill>
                   <a:schemeClr val="tx1"/>
                 </a:solidFill>
-                <a:latin typeface="Arial" charset="0"/>
-                <a:ea typeface="宋体" charset="-122"/>
+                <a:latin typeface="Arial" panose="02080604020202020204" pitchFamily="34" charset="0"/>
+                <a:ea typeface="宋体" pitchFamily="2" charset="-122"/>
               </a:defRPr>
             </a:lvl4pPr>
             <a:lvl5pPr marL="2057400" indent="-228600" eaLnBrk="0" hangingPunct="0">
@@ -5684,8 +5684,8 @@
                 <a:solidFill>
                   <a:schemeClr val="tx1"/>
                 </a:solidFill>
-                <a:latin typeface="Arial" charset="0"/>
-                <a:ea typeface="宋体" charset="-122"/>
+                <a:latin typeface="Arial" panose="02080604020202020204" pitchFamily="34" charset="0"/>
+                <a:ea typeface="宋体" pitchFamily="2" charset="-122"/>
               </a:defRPr>
             </a:lvl5pPr>
             <a:lvl6pPr marL="2514600" indent="-228600" eaLnBrk="0" fontAlgn="base" hangingPunct="0">
@@ -5699,8 +5699,8 @@
                 <a:solidFill>
                   <a:schemeClr val="tx1"/>
                 </a:solidFill>
-                <a:latin typeface="Arial" charset="0"/>
-                <a:ea typeface="宋体" charset="-122"/>
+                <a:latin typeface="Arial" panose="02080604020202020204" pitchFamily="34" charset="0"/>
+                <a:ea typeface="宋体" pitchFamily="2" charset="-122"/>
               </a:defRPr>
             </a:lvl6pPr>
             <a:lvl7pPr marL="2971800" indent="-228600" eaLnBrk="0" fontAlgn="base" hangingPunct="0">
@@ -5714,8 +5714,8 @@
                 <a:solidFill>
                   <a:schemeClr val="tx1"/>
                 </a:solidFill>
-                <a:latin typeface="Arial" charset="0"/>
-                <a:ea typeface="宋体" charset="-122"/>
+                <a:latin typeface="Arial" panose="02080604020202020204" pitchFamily="34" charset="0"/>
+                <a:ea typeface="宋体" pitchFamily="2" charset="-122"/>
               </a:defRPr>
             </a:lvl7pPr>
             <a:lvl8pPr marL="3429000" indent="-228600" eaLnBrk="0" fontAlgn="base" hangingPunct="0">
@@ -5729,8 +5729,8 @@
                 <a:solidFill>
                   <a:schemeClr val="tx1"/>
                 </a:solidFill>
-                <a:latin typeface="Arial" charset="0"/>
-                <a:ea typeface="宋体" charset="-122"/>
+                <a:latin typeface="Arial" panose="02080604020202020204" pitchFamily="34" charset="0"/>
+                <a:ea typeface="宋体" pitchFamily="2" charset="-122"/>
               </a:defRPr>
             </a:lvl8pPr>
             <a:lvl9pPr marL="3886200" indent="-228600" eaLnBrk="0" fontAlgn="base" hangingPunct="0">
@@ -5744,8 +5744,8 @@
                 <a:solidFill>
                   <a:schemeClr val="tx1"/>
                 </a:solidFill>
-                <a:latin typeface="Arial" charset="0"/>
-                <a:ea typeface="宋体" charset="-122"/>
+                <a:latin typeface="Arial" panose="02080604020202020204" pitchFamily="34" charset="0"/>
+                <a:ea typeface="宋体" pitchFamily="2" charset="-122"/>
               </a:defRPr>
             </a:lvl9pPr>
           </a:lstStyle>
@@ -5870,7 +5870,7 @@
               </a:solidFill>
               <a:latin typeface="+mj-ea"/>
               <a:ea typeface="+mj-ea"/>
-              <a:cs typeface="Arial" charset="0"/>
+              <a:cs typeface="Arial" panose="02080604020202020204" pitchFamily="34" charset="0"/>
             </a:endParaRPr>
           </a:p>
         </p:txBody>
@@ -6088,7 +6088,7 @@
               <a:spcBef>
                 <a:spcPct val="20000"/>
               </a:spcBef>
-              <a:buFont typeface="Arial" charset="0"/>
+              <a:buFont typeface="Arial" panose="02080604020202020204" pitchFamily="34" charset="0"/>
               <a:buChar char="•"/>
               <a:defRPr sz="3200">
                 <a:solidFill>
@@ -6103,7 +6103,7 @@
               <a:spcBef>
                 <a:spcPct val="20000"/>
               </a:spcBef>
-              <a:buFont typeface="Arial" charset="0"/>
+              <a:buFont typeface="Arial" panose="02080604020202020204" pitchFamily="34" charset="0"/>
               <a:buChar char="–"/>
               <a:defRPr sz="2800">
                 <a:solidFill>
@@ -6118,7 +6118,7 @@
               <a:spcBef>
                 <a:spcPct val="20000"/>
               </a:spcBef>
-              <a:buFont typeface="Arial" charset="0"/>
+              <a:buFont typeface="Arial" panose="02080604020202020204" pitchFamily="34" charset="0"/>
               <a:buChar char="•"/>
               <a:defRPr sz="2400">
                 <a:solidFill>
@@ -6133,7 +6133,7 @@
               <a:spcBef>
                 <a:spcPct val="20000"/>
               </a:spcBef>
-              <a:buFont typeface="Arial" charset="0"/>
+              <a:buFont typeface="Arial" panose="02080604020202020204" pitchFamily="34" charset="0"/>
               <a:buChar char="–"/>
               <a:defRPr sz="2000">
                 <a:solidFill>
@@ -6148,7 +6148,7 @@
               <a:spcBef>
                 <a:spcPct val="20000"/>
               </a:spcBef>
-              <a:buFont typeface="Arial" charset="0"/>
+              <a:buFont typeface="Arial" panose="02080604020202020204" pitchFamily="34" charset="0"/>
               <a:buChar char="»"/>
               <a:defRPr sz="2000">
                 <a:solidFill>
@@ -6166,7 +6166,7 @@
               <a:spcAft>
                 <a:spcPct val="0"/>
               </a:spcAft>
-              <a:buFont typeface="Arial" charset="0"/>
+              <a:buFont typeface="Arial" panose="02080604020202020204" pitchFamily="34" charset="0"/>
               <a:buChar char="»"/>
               <a:defRPr sz="2000">
                 <a:solidFill>
@@ -6184,7 +6184,7 @@
               <a:spcAft>
                 <a:spcPct val="0"/>
               </a:spcAft>
-              <a:buFont typeface="Arial" charset="0"/>
+              <a:buFont typeface="Arial" panose="02080604020202020204" pitchFamily="34" charset="0"/>
               <a:buChar char="»"/>
               <a:defRPr sz="2000">
                 <a:solidFill>
@@ -6202,7 +6202,7 @@
               <a:spcAft>
                 <a:spcPct val="0"/>
               </a:spcAft>
-              <a:buFont typeface="Arial" charset="0"/>
+              <a:buFont typeface="Arial" panose="02080604020202020204" pitchFamily="34" charset="0"/>
               <a:buChar char="»"/>
               <a:defRPr sz="2000">
                 <a:solidFill>
@@ -6220,7 +6220,7 @@
               <a:spcAft>
                 <a:spcPct val="0"/>
               </a:spcAft>
-              <a:buFont typeface="Arial" charset="0"/>
+              <a:buFont typeface="Arial" panose="02080604020202020204" pitchFamily="34" charset="0"/>
               <a:buChar char="»"/>
               <a:defRPr sz="2000">
                 <a:solidFill>
@@ -6237,7 +6237,7 @@
               <a:lnSpc>
                 <a:spcPct val="150000"/>
               </a:lnSpc>
-              <a:buFont typeface="Arial" charset="0"/>
+              <a:buFont typeface="Arial" panose="02080604020202020204" pitchFamily="34" charset="0"/>
               <a:buNone/>
             </a:pPr>
             <a:r>
@@ -6316,7 +6316,7 @@
               </a:solidFill>
               <a:latin typeface="+mj-ea"/>
               <a:ea typeface="+mj-ea"/>
-              <a:cs typeface="Arial" charset="0"/>
+              <a:cs typeface="Arial" panose="02080604020202020204" pitchFamily="34" charset="0"/>
             </a:endParaRPr>
           </a:p>
         </p:txBody>
@@ -7300,7 +7300,7 @@
               <a:spcBef>
                 <a:spcPct val="20000"/>
               </a:spcBef>
-              <a:buFont typeface="Arial" charset="0"/>
+              <a:buFont typeface="Arial" panose="02080604020202020204" pitchFamily="34" charset="0"/>
               <a:buChar char="•"/>
               <a:defRPr sz="3200">
                 <a:solidFill>
@@ -7315,7 +7315,7 @@
               <a:spcBef>
                 <a:spcPct val="20000"/>
               </a:spcBef>
-              <a:buFont typeface="Arial" charset="0"/>
+              <a:buFont typeface="Arial" panose="02080604020202020204" pitchFamily="34" charset="0"/>
               <a:buChar char="–"/>
               <a:defRPr sz="2800">
                 <a:solidFill>
@@ -7330,7 +7330,7 @@
               <a:spcBef>
                 <a:spcPct val="20000"/>
               </a:spcBef>
-              <a:buFont typeface="Arial" charset="0"/>
+              <a:buFont typeface="Arial" panose="02080604020202020204" pitchFamily="34" charset="0"/>
               <a:buChar char="•"/>
               <a:defRPr sz="2400">
                 <a:solidFill>
@@ -7345,7 +7345,7 @@
               <a:spcBef>
                 <a:spcPct val="20000"/>
               </a:spcBef>
-              <a:buFont typeface="Arial" charset="0"/>
+              <a:buFont typeface="Arial" panose="02080604020202020204" pitchFamily="34" charset="0"/>
               <a:buChar char="–"/>
               <a:defRPr sz="2000">
                 <a:solidFill>
@@ -7360,7 +7360,7 @@
               <a:spcBef>
                 <a:spcPct val="20000"/>
               </a:spcBef>
-              <a:buFont typeface="Arial" charset="0"/>
+              <a:buFont typeface="Arial" panose="02080604020202020204" pitchFamily="34" charset="0"/>
               <a:buChar char="»"/>
               <a:defRPr sz="2000">
                 <a:solidFill>
@@ -7378,7 +7378,7 @@
               <a:spcAft>
                 <a:spcPct val="0"/>
               </a:spcAft>
-              <a:buFont typeface="Arial" charset="0"/>
+              <a:buFont typeface="Arial" panose="02080604020202020204" pitchFamily="34" charset="0"/>
               <a:buChar char="»"/>
               <a:defRPr sz="2000">
                 <a:solidFill>
@@ -7396,7 +7396,7 @@
               <a:spcAft>
                 <a:spcPct val="0"/>
               </a:spcAft>
-              <a:buFont typeface="Arial" charset="0"/>
+              <a:buFont typeface="Arial" panose="02080604020202020204" pitchFamily="34" charset="0"/>
               <a:buChar char="»"/>
               <a:defRPr sz="2000">
                 <a:solidFill>
@@ -7414,7 +7414,7 @@
               <a:spcAft>
                 <a:spcPct val="0"/>
               </a:spcAft>
-              <a:buFont typeface="Arial" charset="0"/>
+              <a:buFont typeface="Arial" panose="02080604020202020204" pitchFamily="34" charset="0"/>
               <a:buChar char="»"/>
               <a:defRPr sz="2000">
                 <a:solidFill>
@@ -7432,7 +7432,7 @@
               <a:spcAft>
                 <a:spcPct val="0"/>
               </a:spcAft>
-              <a:buFont typeface="Arial" charset="0"/>
+              <a:buFont typeface="Arial" panose="02080604020202020204" pitchFamily="34" charset="0"/>
               <a:buChar char="»"/>
               <a:defRPr sz="2000">
                 <a:solidFill>
@@ -7449,7 +7449,7 @@
               <a:lnSpc>
                 <a:spcPct val="150000"/>
               </a:lnSpc>
-              <a:buFont typeface="Arial" charset="0"/>
+              <a:buFont typeface="Arial" panose="02080604020202020204" pitchFamily="34" charset="0"/>
               <a:buNone/>
             </a:pPr>
             <a:r>
@@ -7543,7 +7543,7 @@
               <a:spcBef>
                 <a:spcPct val="20000"/>
               </a:spcBef>
-              <a:buFont typeface="Arial" charset="0"/>
+              <a:buFont typeface="Arial" panose="02080604020202020204" pitchFamily="34" charset="0"/>
               <a:buChar char="•"/>
               <a:defRPr sz="3200">
                 <a:solidFill>
@@ -7558,7 +7558,7 @@
               <a:spcBef>
                 <a:spcPct val="20000"/>
               </a:spcBef>
-              <a:buFont typeface="Arial" charset="0"/>
+              <a:buFont typeface="Arial" panose="02080604020202020204" pitchFamily="34" charset="0"/>
               <a:buChar char="–"/>
               <a:defRPr sz="2800">
                 <a:solidFill>
@@ -7573,7 +7573,7 @@
               <a:spcBef>
                 <a:spcPct val="20000"/>
               </a:spcBef>
-              <a:buFont typeface="Arial" charset="0"/>
+              <a:buFont typeface="Arial" panose="02080604020202020204" pitchFamily="34" charset="0"/>
               <a:buChar char="•"/>
               <a:defRPr sz="2400">
                 <a:solidFill>
@@ -7588,7 +7588,7 @@
               <a:spcBef>
                 <a:spcPct val="20000"/>
               </a:spcBef>
-              <a:buFont typeface="Arial" charset="0"/>
+              <a:buFont typeface="Arial" panose="02080604020202020204" pitchFamily="34" charset="0"/>
               <a:buChar char="–"/>
               <a:defRPr sz="2000">
                 <a:solidFill>
@@ -7603,7 +7603,7 @@
               <a:spcBef>
                 <a:spcPct val="20000"/>
               </a:spcBef>
-              <a:buFont typeface="Arial" charset="0"/>
+              <a:buFont typeface="Arial" panose="02080604020202020204" pitchFamily="34" charset="0"/>
               <a:buChar char="»"/>
               <a:defRPr sz="2000">
                 <a:solidFill>
@@ -7621,7 +7621,7 @@
               <a:spcAft>
                 <a:spcPct val="0"/>
               </a:spcAft>
-              <a:buFont typeface="Arial" charset="0"/>
+              <a:buFont typeface="Arial" panose="02080604020202020204" pitchFamily="34" charset="0"/>
               <a:buChar char="»"/>
               <a:defRPr sz="2000">
                 <a:solidFill>
@@ -7639,7 +7639,7 @@
               <a:spcAft>
                 <a:spcPct val="0"/>
               </a:spcAft>
-              <a:buFont typeface="Arial" charset="0"/>
+              <a:buFont typeface="Arial" panose="02080604020202020204" pitchFamily="34" charset="0"/>
               <a:buChar char="»"/>
               <a:defRPr sz="2000">
                 <a:solidFill>
@@ -7657,7 +7657,7 @@
               <a:spcAft>
                 <a:spcPct val="0"/>
               </a:spcAft>
-              <a:buFont typeface="Arial" charset="0"/>
+              <a:buFont typeface="Arial" panose="02080604020202020204" pitchFamily="34" charset="0"/>
               <a:buChar char="»"/>
               <a:defRPr sz="2000">
                 <a:solidFill>
@@ -7675,7 +7675,7 @@
               <a:spcAft>
                 <a:spcPct val="0"/>
               </a:spcAft>
-              <a:buFont typeface="Arial" charset="0"/>
+              <a:buFont typeface="Arial" panose="02080604020202020204" pitchFamily="34" charset="0"/>
               <a:buChar char="»"/>
               <a:defRPr sz="2000">
                 <a:solidFill>
@@ -7692,7 +7692,7 @@
               <a:lnSpc>
                 <a:spcPct val="150000"/>
               </a:lnSpc>
-              <a:buFont typeface="Arial" charset="0"/>
+              <a:buFont typeface="Arial" panose="02080604020202020204" pitchFamily="34" charset="0"/>
               <a:buNone/>
             </a:pPr>
             <a:r>
@@ -7786,7 +7786,7 @@
               <a:spcBef>
                 <a:spcPct val="20000"/>
               </a:spcBef>
-              <a:buFont typeface="Arial" charset="0"/>
+              <a:buFont typeface="Arial" panose="02080604020202020204" pitchFamily="34" charset="0"/>
               <a:buChar char="•"/>
               <a:defRPr sz="3200">
                 <a:solidFill>
@@ -7801,7 +7801,7 @@
               <a:spcBef>
                 <a:spcPct val="20000"/>
               </a:spcBef>
-              <a:buFont typeface="Arial" charset="0"/>
+              <a:buFont typeface="Arial" panose="02080604020202020204" pitchFamily="34" charset="0"/>
               <a:buChar char="–"/>
               <a:defRPr sz="2800">
                 <a:solidFill>
@@ -7816,7 +7816,7 @@
               <a:spcBef>
                 <a:spcPct val="20000"/>
               </a:spcBef>
-              <a:buFont typeface="Arial" charset="0"/>
+              <a:buFont typeface="Arial" panose="02080604020202020204" pitchFamily="34" charset="0"/>
               <a:buChar char="•"/>
               <a:defRPr sz="2400">
                 <a:solidFill>
@@ -7831,7 +7831,7 @@
               <a:spcBef>
                 <a:spcPct val="20000"/>
               </a:spcBef>
-              <a:buFont typeface="Arial" charset="0"/>
+              <a:buFont typeface="Arial" panose="02080604020202020204" pitchFamily="34" charset="0"/>
               <a:buChar char="–"/>
               <a:defRPr sz="2000">
                 <a:solidFill>
@@ -7846,7 +7846,7 @@
               <a:spcBef>
                 <a:spcPct val="20000"/>
               </a:spcBef>
-              <a:buFont typeface="Arial" charset="0"/>
+              <a:buFont typeface="Arial" panose="02080604020202020204" pitchFamily="34" charset="0"/>
               <a:buChar char="»"/>
               <a:defRPr sz="2000">
                 <a:solidFill>
@@ -7864,7 +7864,7 @@
               <a:spcAft>
                 <a:spcPct val="0"/>
               </a:spcAft>
-              <a:buFont typeface="Arial" charset="0"/>
+              <a:buFont typeface="Arial" panose="02080604020202020204" pitchFamily="34" charset="0"/>
               <a:buChar char="»"/>
               <a:defRPr sz="2000">
                 <a:solidFill>
@@ -7882,7 +7882,7 @@
               <a:spcAft>
                 <a:spcPct val="0"/>
               </a:spcAft>
-              <a:buFont typeface="Arial" charset="0"/>
+              <a:buFont typeface="Arial" panose="02080604020202020204" pitchFamily="34" charset="0"/>
               <a:buChar char="»"/>
               <a:defRPr sz="2000">
                 <a:solidFill>
@@ -7900,7 +7900,7 @@
               <a:spcAft>
                 <a:spcPct val="0"/>
               </a:spcAft>
-              <a:buFont typeface="Arial" charset="0"/>
+              <a:buFont typeface="Arial" panose="02080604020202020204" pitchFamily="34" charset="0"/>
               <a:buChar char="»"/>
               <a:defRPr sz="2000">
                 <a:solidFill>
@@ -7918,7 +7918,7 @@
               <a:spcAft>
                 <a:spcPct val="0"/>
               </a:spcAft>
-              <a:buFont typeface="Arial" charset="0"/>
+              <a:buFont typeface="Arial" panose="02080604020202020204" pitchFamily="34" charset="0"/>
               <a:buChar char="»"/>
               <a:defRPr sz="2000">
                 <a:solidFill>
@@ -7935,7 +7935,7 @@
               <a:lnSpc>
                 <a:spcPct val="150000"/>
               </a:lnSpc>
-              <a:buFont typeface="Arial" charset="0"/>
+              <a:buFont typeface="Arial" panose="02080604020202020204" pitchFamily="34" charset="0"/>
               <a:buNone/>
             </a:pPr>
             <a:r>
@@ -10418,7 +10418,7 @@
         </p:blipFill>
         <p:spPr>
           <a:xfrm>
-            <a:off x="3851910" y="692785"/>
+            <a:off x="3893185" y="1068705"/>
             <a:ext cx="4999990" cy="3085465"/>
           </a:xfrm>
           <a:prstGeom prst="rect">
@@ -12000,7 +12000,7 @@
         <p:spPr>
           <a:xfrm>
             <a:off x="2555875" y="1628775"/>
-            <a:ext cx="880110" cy="368300"/>
+            <a:ext cx="1214120" cy="368935"/>
           </a:xfrm>
           <a:prstGeom prst="rect">
             <a:avLst/>
@@ -12008,10 +12008,20 @@
           <a:noFill/>
         </p:spPr>
         <p:txBody>
-          <a:bodyPr wrap="none" lIns="0" tIns="0" rIns="0" bIns="0" rtlCol="0">
+          <a:bodyPr wrap="square" lIns="0" tIns="0" rIns="0" bIns="0" rtlCol="0">
             <a:spAutoFit/>
           </a:bodyPr>
           <a:p>
+            <a:r>
+              <a:rPr lang="en-US" altLang="x-none" sz="2400" b="1" dirty="0" smtClean="0">
+                <a:solidFill>
+                  <a:schemeClr val="accent6"/>
+                </a:solidFill>
+                <a:latin typeface="微软雅黑" pitchFamily="34" charset="-122"/>
+                <a:ea typeface="微软雅黑" pitchFamily="34" charset="-122"/>
+              </a:rPr>
+              <a:t>read</a:t>
+            </a:r>
             <a:r>
               <a:rPr lang="x-none" altLang="zh-CN" sz="2400" b="1" dirty="0" smtClean="0">
                 <a:solidFill>
@@ -12020,7 +12030,7 @@
                 <a:latin typeface="微软雅黑" pitchFamily="34" charset="-122"/>
                 <a:ea typeface="微软雅黑" pitchFamily="34" charset="-122"/>
               </a:rPr>
-              <a:t>open()</a:t>
+              <a:t>()</a:t>
             </a:r>
             <a:endParaRPr lang="x-none" altLang="zh-CN" sz="2400" b="1" dirty="0" smtClean="0">
               <a:solidFill>
@@ -12083,7 +12093,7 @@
         </p:nvCxnSpPr>
         <p:spPr>
           <a:xfrm flipH="1">
-            <a:off x="2421255" y="1812925"/>
+            <a:off x="2421255" y="1813560"/>
             <a:ext cx="134620" cy="0"/>
           </a:xfrm>
           <a:prstGeom prst="straightConnector1">
@@ -12902,6 +12912,47 @@
               <a:t>F</a:t>
             </a:r>
             <a:endParaRPr lang="x-none" altLang="zh-CN" sz="8800" b="1" dirty="0" smtClean="0">
+              <a:solidFill>
+                <a:schemeClr val="accent6"/>
+              </a:solidFill>
+              <a:latin typeface="微软雅黑" pitchFamily="34" charset="-122"/>
+              <a:ea typeface="微软雅黑" pitchFamily="34" charset="-122"/>
+            </a:endParaRPr>
+          </a:p>
+        </p:txBody>
+      </p:sp>
+      <p:sp>
+        <p:nvSpPr>
+          <p:cNvPr id="8" name="文本框 7"/>
+          <p:cNvSpPr txBox="1"/>
+          <p:nvPr/>
+        </p:nvSpPr>
+        <p:spPr>
+          <a:xfrm>
+            <a:off x="2555875" y="1094105"/>
+            <a:ext cx="1214120" cy="368935"/>
+          </a:xfrm>
+          <a:prstGeom prst="rect">
+            <a:avLst/>
+          </a:prstGeom>
+          <a:noFill/>
+        </p:spPr>
+        <p:txBody>
+          <a:bodyPr wrap="square" lIns="0" tIns="0" rIns="0" bIns="0" rtlCol="0">
+            <a:spAutoFit/>
+          </a:bodyPr>
+          <a:p>
+            <a:r>
+              <a:rPr lang="x-none" altLang="zh-CN" sz="2400" b="1" dirty="0" smtClean="0">
+                <a:solidFill>
+                  <a:schemeClr val="accent6"/>
+                </a:solidFill>
+                <a:latin typeface="微软雅黑" pitchFamily="34" charset="-122"/>
+                <a:ea typeface="微软雅黑" pitchFamily="34" charset="-122"/>
+              </a:rPr>
+              <a:t>open()</a:t>
+            </a:r>
+            <a:endParaRPr lang="x-none" altLang="zh-CN" sz="2400" b="1" dirty="0" smtClean="0">
               <a:solidFill>
                 <a:schemeClr val="accent6"/>
               </a:solidFill>
@@ -14346,7 +14397,7 @@
                   <a:schemeClr val="tx1"/>
                 </a:solidFill>
                 <a:latin typeface="Calibri" pitchFamily="34" charset="0"/>
-                <a:ea typeface="宋体" charset="-122"/>
+                <a:ea typeface="宋体" pitchFamily="2" charset="-122"/>
               </a:defRPr>
             </a:lvl1pPr>
             <a:lvl2pPr marL="742950" indent="-285750">
@@ -14355,7 +14406,7 @@
                   <a:schemeClr val="tx1"/>
                 </a:solidFill>
                 <a:latin typeface="Calibri" pitchFamily="34" charset="0"/>
-                <a:ea typeface="宋体" charset="-122"/>
+                <a:ea typeface="宋体" pitchFamily="2" charset="-122"/>
               </a:defRPr>
             </a:lvl2pPr>
             <a:lvl3pPr marL="1143000" indent="-228600">
@@ -14364,7 +14415,7 @@
                   <a:schemeClr val="tx1"/>
                 </a:solidFill>
                 <a:latin typeface="Calibri" pitchFamily="34" charset="0"/>
-                <a:ea typeface="宋体" charset="-122"/>
+                <a:ea typeface="宋体" pitchFamily="2" charset="-122"/>
               </a:defRPr>
             </a:lvl3pPr>
             <a:lvl4pPr marL="1600200" indent="-228600">
@@ -14373,7 +14424,7 @@
                   <a:schemeClr val="tx1"/>
                 </a:solidFill>
                 <a:latin typeface="Calibri" pitchFamily="34" charset="0"/>
-                <a:ea typeface="宋体" charset="-122"/>
+                <a:ea typeface="宋体" pitchFamily="2" charset="-122"/>
               </a:defRPr>
             </a:lvl4pPr>
             <a:lvl5pPr marL="2057400" indent="-228600">
@@ -14382,7 +14433,7 @@
                   <a:schemeClr val="tx1"/>
                 </a:solidFill>
                 <a:latin typeface="Calibri" pitchFamily="34" charset="0"/>
-                <a:ea typeface="宋体" charset="-122"/>
+                <a:ea typeface="宋体" pitchFamily="2" charset="-122"/>
               </a:defRPr>
             </a:lvl5pPr>
             <a:lvl6pPr marL="2514600" indent="-228600" eaLnBrk="0" fontAlgn="base" hangingPunct="0">
@@ -14397,7 +14448,7 @@
                   <a:schemeClr val="tx1"/>
                 </a:solidFill>
                 <a:latin typeface="Calibri" pitchFamily="34" charset="0"/>
-                <a:ea typeface="宋体" charset="-122"/>
+                <a:ea typeface="宋体" pitchFamily="2" charset="-122"/>
               </a:defRPr>
             </a:lvl6pPr>
             <a:lvl7pPr marL="2971800" indent="-228600" eaLnBrk="0" fontAlgn="base" hangingPunct="0">
@@ -14412,7 +14463,7 @@
                   <a:schemeClr val="tx1"/>
                 </a:solidFill>
                 <a:latin typeface="Calibri" pitchFamily="34" charset="0"/>
-                <a:ea typeface="宋体" charset="-122"/>
+                <a:ea typeface="宋体" pitchFamily="2" charset="-122"/>
               </a:defRPr>
             </a:lvl7pPr>
             <a:lvl8pPr marL="3429000" indent="-228600" eaLnBrk="0" fontAlgn="base" hangingPunct="0">
@@ -14427,7 +14478,7 @@
                   <a:schemeClr val="tx1"/>
                 </a:solidFill>
                 <a:latin typeface="Calibri" pitchFamily="34" charset="0"/>
-                <a:ea typeface="宋体" charset="-122"/>
+                <a:ea typeface="宋体" pitchFamily="2" charset="-122"/>
               </a:defRPr>
             </a:lvl8pPr>
             <a:lvl9pPr marL="3886200" indent="-228600" eaLnBrk="0" fontAlgn="base" hangingPunct="0">
@@ -14442,7 +14493,7 @@
                   <a:schemeClr val="tx1"/>
                 </a:solidFill>
                 <a:latin typeface="Calibri" pitchFamily="34" charset="0"/>
-                <a:ea typeface="宋体" charset="-122"/>
+                <a:ea typeface="宋体" pitchFamily="2" charset="-122"/>
               </a:defRPr>
             </a:lvl9pPr>
           </a:lstStyle>
@@ -14496,7 +14547,7 @@
                 </a:solidFill>
                 <a:latin typeface="微软雅黑" pitchFamily="34" charset="-122"/>
                 <a:ea typeface="微软雅黑" pitchFamily="34" charset="-122"/>
-                <a:cs typeface="Arial" charset="0"/>
+                <a:cs typeface="Arial" panose="02080604020202020204" pitchFamily="34" charset="0"/>
               </a:rPr>
               <a:t>How are you?  I'm fine. Thanks. And you? Fine too.  Can you speak Chinese?     Who can speak Chinese?   </a:t>
             </a:r>
@@ -14506,7 +14557,7 @@
               </a:solidFill>
               <a:latin typeface="微软雅黑" pitchFamily="34" charset="-122"/>
               <a:ea typeface="微软雅黑" pitchFamily="34" charset="-122"/>
-              <a:cs typeface="Arial" charset="0"/>
+              <a:cs typeface="Arial" panose="02080604020202020204" pitchFamily="34" charset="0"/>
             </a:endParaRPr>
           </a:p>
         </p:txBody>
@@ -16547,6 +16598,13 @@
                 </a:rPr>
                 <a:t>前 </a:t>
               </a:r>
+              <a:endParaRPr lang="zh-CN" altLang="en-US" sz="4500" b="1" dirty="0">
+                <a:solidFill>
+                  <a:prstClr val="white"/>
+                </a:solidFill>
+                <a:latin typeface="微软雅黑" pitchFamily="34" charset="-122"/>
+                <a:ea typeface="微软雅黑" pitchFamily="34" charset="-122"/>
+              </a:endParaRPr>
             </a:p>
           </p:txBody>
         </p:sp>
@@ -27343,314 +27401,6 @@
           </a:fontRef>
         </p:style>
       </p:cxnSp>
-      <p:grpSp>
-        <p:nvGrpSpPr>
-          <p:cNvPr id="19" name="组合 18"/>
-          <p:cNvGrpSpPr/>
-          <p:nvPr/>
-        </p:nvGrpSpPr>
-        <p:grpSpPr>
-          <a:xfrm>
-            <a:off x="1827574" y="1045062"/>
-            <a:ext cx="349447" cy="349447"/>
-            <a:chOff x="304800" y="673100"/>
-            <a:chExt cx="4000500" cy="4000500"/>
-          </a:xfrm>
-          <a:effectLst>
-            <a:outerShdw blurRad="444500" dist="254000" dir="6840000" algn="tr" rotWithShape="0">
-              <a:prstClr val="black">
-                <a:alpha val="50000"/>
-              </a:prstClr>
-            </a:outerShdw>
-          </a:effectLst>
-        </p:grpSpPr>
-        <p:sp>
-          <p:nvSpPr>
-            <p:cNvPr id="20" name="同心圆 19"/>
-            <p:cNvSpPr/>
-            <p:nvPr/>
-          </p:nvSpPr>
-          <p:spPr>
-            <a:xfrm>
-              <a:off x="304800" y="673100"/>
-              <a:ext cx="4000500" cy="4000500"/>
-            </a:xfrm>
-            <a:prstGeom prst="donut">
-              <a:avLst>
-                <a:gd name="adj" fmla="val 4879"/>
-              </a:avLst>
-            </a:prstGeom>
-            <a:gradFill>
-              <a:gsLst>
-                <a:gs pos="0">
-                  <a:schemeClr val="bg1"/>
-                </a:gs>
-                <a:gs pos="55000">
-                  <a:schemeClr val="bg1">
-                    <a:lumMod val="95000"/>
-                  </a:schemeClr>
-                </a:gs>
-                <a:gs pos="100000">
-                  <a:schemeClr val="bg1">
-                    <a:lumMod val="65000"/>
-                  </a:schemeClr>
-                </a:gs>
-              </a:gsLst>
-              <a:lin ang="8100000" scaled="0"/>
-            </a:gradFill>
-            <a:ln>
-              <a:noFill/>
-            </a:ln>
-          </p:spPr>
-          <p:style>
-            <a:lnRef idx="2">
-              <a:schemeClr val="accent1">
-                <a:shade val="50000"/>
-              </a:schemeClr>
-            </a:lnRef>
-            <a:fillRef idx="1">
-              <a:schemeClr val="accent1"/>
-            </a:fillRef>
-            <a:effectRef idx="0">
-              <a:schemeClr val="accent1"/>
-            </a:effectRef>
-            <a:fontRef idx="minor">
-              <a:schemeClr val="lt1"/>
-            </a:fontRef>
-          </p:style>
-          <p:txBody>
-            <a:bodyPr rtlCol="0" anchor="ctr"/>
-            <a:p>
-              <a:pPr algn="ctr"/>
-              <a:endParaRPr lang="zh-CN" altLang="en-US" dirty="0">
-                <a:solidFill>
-                  <a:srgbClr val="C00000"/>
-                </a:solidFill>
-                <a:latin typeface="微软雅黑" pitchFamily="34" charset="-122"/>
-              </a:endParaRPr>
-            </a:p>
-          </p:txBody>
-        </p:sp>
-        <p:sp>
-          <p:nvSpPr>
-            <p:cNvPr id="21" name="椭圆 20"/>
-            <p:cNvSpPr/>
-            <p:nvPr/>
-          </p:nvSpPr>
-          <p:spPr>
-            <a:xfrm>
-              <a:off x="392113" y="760413"/>
-              <a:ext cx="3825874" cy="3825874"/>
-            </a:xfrm>
-            <a:prstGeom prst="ellipse">
-              <a:avLst/>
-            </a:prstGeom>
-            <a:gradFill>
-              <a:gsLst>
-                <a:gs pos="0">
-                  <a:schemeClr val="bg1"/>
-                </a:gs>
-                <a:gs pos="51000">
-                  <a:schemeClr val="bg1">
-                    <a:lumMod val="95000"/>
-                  </a:schemeClr>
-                </a:gs>
-                <a:gs pos="100000">
-                  <a:schemeClr val="bg1">
-                    <a:lumMod val="75000"/>
-                  </a:schemeClr>
-                </a:gs>
-              </a:gsLst>
-              <a:lin ang="18900000" scaled="0"/>
-            </a:gradFill>
-            <a:ln>
-              <a:noFill/>
-            </a:ln>
-          </p:spPr>
-          <p:style>
-            <a:lnRef idx="2">
-              <a:schemeClr val="accent1">
-                <a:shade val="50000"/>
-              </a:schemeClr>
-            </a:lnRef>
-            <a:fillRef idx="1">
-              <a:schemeClr val="accent1"/>
-            </a:fillRef>
-            <a:effectRef idx="0">
-              <a:schemeClr val="accent1"/>
-            </a:effectRef>
-            <a:fontRef idx="minor">
-              <a:schemeClr val="lt1"/>
-            </a:fontRef>
-          </p:style>
-          <p:txBody>
-            <a:bodyPr rtlCol="0" anchor="ctr"/>
-            <a:p>
-              <a:pPr algn="ctr"/>
-              <a:endParaRPr lang="zh-CN" altLang="en-US" dirty="0">
-                <a:solidFill>
-                  <a:srgbClr val="C00000"/>
-                </a:solidFill>
-                <a:latin typeface="微软雅黑" pitchFamily="34" charset="-122"/>
-              </a:endParaRPr>
-            </a:p>
-          </p:txBody>
-        </p:sp>
-      </p:grpSp>
-      <p:grpSp>
-        <p:nvGrpSpPr>
-          <p:cNvPr id="28" name="组合 27"/>
-          <p:cNvGrpSpPr/>
-          <p:nvPr/>
-        </p:nvGrpSpPr>
-        <p:grpSpPr>
-          <a:xfrm>
-            <a:off x="959116" y="608210"/>
-            <a:ext cx="287919" cy="287919"/>
-            <a:chOff x="304800" y="673100"/>
-            <a:chExt cx="4000500" cy="4000500"/>
-          </a:xfrm>
-          <a:effectLst>
-            <a:outerShdw blurRad="381000" dist="152400" dir="8100000" algn="tr" rotWithShape="0">
-              <a:prstClr val="black">
-                <a:alpha val="70000"/>
-              </a:prstClr>
-            </a:outerShdw>
-          </a:effectLst>
-        </p:grpSpPr>
-        <p:sp>
-          <p:nvSpPr>
-            <p:cNvPr id="29" name="同心圆 28"/>
-            <p:cNvSpPr/>
-            <p:nvPr/>
-          </p:nvSpPr>
-          <p:spPr>
-            <a:xfrm>
-              <a:off x="304800" y="673100"/>
-              <a:ext cx="4000500" cy="4000500"/>
-            </a:xfrm>
-            <a:prstGeom prst="donut">
-              <a:avLst>
-                <a:gd name="adj" fmla="val 4879"/>
-              </a:avLst>
-            </a:prstGeom>
-            <a:gradFill>
-              <a:gsLst>
-                <a:gs pos="0">
-                  <a:schemeClr val="bg1"/>
-                </a:gs>
-                <a:gs pos="55000">
-                  <a:schemeClr val="bg1">
-                    <a:lumMod val="95000"/>
-                  </a:schemeClr>
-                </a:gs>
-                <a:gs pos="100000">
-                  <a:schemeClr val="bg1">
-                    <a:lumMod val="65000"/>
-                  </a:schemeClr>
-                </a:gs>
-              </a:gsLst>
-              <a:lin ang="8100000" scaled="0"/>
-            </a:gradFill>
-            <a:ln>
-              <a:noFill/>
-            </a:ln>
-          </p:spPr>
-          <p:style>
-            <a:lnRef idx="2">
-              <a:schemeClr val="accent1">
-                <a:shade val="50000"/>
-              </a:schemeClr>
-            </a:lnRef>
-            <a:fillRef idx="1">
-              <a:schemeClr val="accent1"/>
-            </a:fillRef>
-            <a:effectRef idx="0">
-              <a:schemeClr val="accent1"/>
-            </a:effectRef>
-            <a:fontRef idx="minor">
-              <a:schemeClr val="lt1"/>
-            </a:fontRef>
-          </p:style>
-          <p:txBody>
-            <a:bodyPr rtlCol="0" anchor="ctr"/>
-            <a:p>
-              <a:pPr algn="ctr"/>
-              <a:endParaRPr lang="zh-CN" altLang="en-US">
-                <a:solidFill>
-                  <a:prstClr val="black"/>
-                </a:solidFill>
-                <a:latin typeface="微软雅黑" pitchFamily="34" charset="-122"/>
-              </a:endParaRPr>
-            </a:p>
-          </p:txBody>
-        </p:sp>
-        <p:sp>
-          <p:nvSpPr>
-            <p:cNvPr id="30" name="椭圆 29"/>
-            <p:cNvSpPr/>
-            <p:nvPr/>
-          </p:nvSpPr>
-          <p:spPr>
-            <a:xfrm>
-              <a:off x="479425" y="847725"/>
-              <a:ext cx="3651250" cy="3651250"/>
-            </a:xfrm>
-            <a:prstGeom prst="ellipse">
-              <a:avLst/>
-            </a:prstGeom>
-            <a:gradFill>
-              <a:gsLst>
-                <a:gs pos="0">
-                  <a:schemeClr val="bg1"/>
-                </a:gs>
-                <a:gs pos="51000">
-                  <a:schemeClr val="bg1">
-                    <a:lumMod val="95000"/>
-                  </a:schemeClr>
-                </a:gs>
-                <a:gs pos="100000">
-                  <a:schemeClr val="bg1">
-                    <a:lumMod val="75000"/>
-                  </a:schemeClr>
-                </a:gs>
-              </a:gsLst>
-              <a:lin ang="18900000" scaled="0"/>
-            </a:gradFill>
-            <a:ln>
-              <a:noFill/>
-            </a:ln>
-          </p:spPr>
-          <p:style>
-            <a:lnRef idx="2">
-              <a:schemeClr val="accent1">
-                <a:shade val="50000"/>
-              </a:schemeClr>
-            </a:lnRef>
-            <a:fillRef idx="1">
-              <a:schemeClr val="accent1"/>
-            </a:fillRef>
-            <a:effectRef idx="0">
-              <a:schemeClr val="accent1"/>
-            </a:effectRef>
-            <a:fontRef idx="minor">
-              <a:schemeClr val="lt1"/>
-            </a:fontRef>
-          </p:style>
-          <p:txBody>
-            <a:bodyPr rtlCol="0" anchor="ctr"/>
-            <a:p>
-              <a:pPr algn="ctr"/>
-              <a:endParaRPr lang="zh-CN" altLang="en-US">
-                <a:solidFill>
-                  <a:prstClr val="white"/>
-                </a:solidFill>
-                <a:latin typeface="微软雅黑" pitchFamily="34" charset="-122"/>
-              </a:endParaRPr>
-            </a:p>
-          </p:txBody>
-        </p:sp>
-      </p:grpSp>
     </p:spTree>
   </p:cSld>
   <p:clrMapOvr>
@@ -27692,7 +27442,7 @@
                             </p:stCondLst>
                             <p:childTnLst>
                               <p:par>
-                                <p:cTn id="5" presetID="2" presetClass="entr" presetSubtype="4" fill="hold" nodeType="withEffect">
+                                <p:cTn id="5" presetID="12" presetClass="entr" presetSubtype="8" fill="hold" grpId="0" nodeType="afterEffect">
                                   <p:stCondLst>
                                     <p:cond delay="0"/>
                                   </p:stCondLst>
@@ -27700,161 +27450,6 @@
                                     <p:set>
                                       <p:cBhvr>
                                         <p:cTn id="6" dur="1" fill="hold">
-                                          <p:stCondLst>
-                                            <p:cond delay="0"/>
-                                          </p:stCondLst>
-                                        </p:cTn>
-                                        <p:tgtEl>
-                                          <p:spTgt spid="28"/>
-                                        </p:tgtEl>
-                                        <p:attrNameLst>
-                                          <p:attrName>style.visibility</p:attrName>
-                                        </p:attrNameLst>
-                                      </p:cBhvr>
-                                      <p:to>
-                                        <p:strVal val="visible"/>
-                                      </p:to>
-                                    </p:set>
-                                    <p:anim calcmode="lin" valueType="num">
-                                      <p:cBhvr additive="base">
-                                        <p:cTn id="7" dur="500" fill="hold"/>
-                                        <p:tgtEl>
-                                          <p:spTgt spid="28"/>
-                                        </p:tgtEl>
-                                        <p:attrNameLst>
-                                          <p:attrName>ppt_x</p:attrName>
-                                        </p:attrNameLst>
-                                      </p:cBhvr>
-                                      <p:tavLst>
-                                        <p:tav tm="0">
-                                          <p:val>
-                                            <p:strVal val="#ppt_x"/>
-                                          </p:val>
-                                        </p:tav>
-                                        <p:tav tm="100000">
-                                          <p:val>
-                                            <p:strVal val="#ppt_x"/>
-                                          </p:val>
-                                        </p:tav>
-                                      </p:tavLst>
-                                    </p:anim>
-                                    <p:anim calcmode="lin" valueType="num">
-                                      <p:cBhvr additive="base">
-                                        <p:cTn id="8" dur="500" fill="hold"/>
-                                        <p:tgtEl>
-                                          <p:spTgt spid="28"/>
-                                        </p:tgtEl>
-                                        <p:attrNameLst>
-                                          <p:attrName>ppt_y</p:attrName>
-                                        </p:attrNameLst>
-                                      </p:cBhvr>
-                                      <p:tavLst>
-                                        <p:tav tm="0">
-                                          <p:val>
-                                            <p:strVal val="1+#ppt_h/2"/>
-                                          </p:val>
-                                        </p:tav>
-                                        <p:tav tm="100000">
-                                          <p:val>
-                                            <p:strVal val="#ppt_y"/>
-                                          </p:val>
-                                        </p:tav>
-                                      </p:tavLst>
-                                    </p:anim>
-                                  </p:childTnLst>
-                                </p:cTn>
-                              </p:par>
-                              <p:par>
-                                <p:cTn id="9" presetID="2" presetClass="entr" presetSubtype="9" fill="hold" nodeType="withEffect">
-                                  <p:stCondLst>
-                                    <p:cond delay="0"/>
-                                  </p:stCondLst>
-                                  <p:childTnLst>
-                                    <p:set>
-                                      <p:cBhvr>
-                                        <p:cTn id="10" dur="1" fill="hold">
-                                          <p:stCondLst>
-                                            <p:cond delay="0"/>
-                                          </p:stCondLst>
-                                        </p:cTn>
-                                        <p:tgtEl>
-                                          <p:spTgt spid="19"/>
-                                        </p:tgtEl>
-                                        <p:attrNameLst>
-                                          <p:attrName>style.visibility</p:attrName>
-                                        </p:attrNameLst>
-                                      </p:cBhvr>
-                                      <p:to>
-                                        <p:strVal val="visible"/>
-                                      </p:to>
-                                    </p:set>
-                                    <p:anim calcmode="lin" valueType="num">
-                                      <p:cBhvr additive="base">
-                                        <p:cTn id="11" dur="500" fill="hold"/>
-                                        <p:tgtEl>
-                                          <p:spTgt spid="19"/>
-                                        </p:tgtEl>
-                                        <p:attrNameLst>
-                                          <p:attrName>ppt_x</p:attrName>
-                                        </p:attrNameLst>
-                                      </p:cBhvr>
-                                      <p:tavLst>
-                                        <p:tav tm="0">
-                                          <p:val>
-                                            <p:strVal val="0-#ppt_w/2"/>
-                                          </p:val>
-                                        </p:tav>
-                                        <p:tav tm="100000">
-                                          <p:val>
-                                            <p:strVal val="#ppt_x"/>
-                                          </p:val>
-                                        </p:tav>
-                                      </p:tavLst>
-                                    </p:anim>
-                                    <p:anim calcmode="lin" valueType="num">
-                                      <p:cBhvr additive="base">
-                                        <p:cTn id="12" dur="500" fill="hold"/>
-                                        <p:tgtEl>
-                                          <p:spTgt spid="19"/>
-                                        </p:tgtEl>
-                                        <p:attrNameLst>
-                                          <p:attrName>ppt_y</p:attrName>
-                                        </p:attrNameLst>
-                                      </p:cBhvr>
-                                      <p:tavLst>
-                                        <p:tav tm="0">
-                                          <p:val>
-                                            <p:strVal val="0-#ppt_h/2"/>
-                                          </p:val>
-                                        </p:tav>
-                                        <p:tav tm="100000">
-                                          <p:val>
-                                            <p:strVal val="#ppt_y"/>
-                                          </p:val>
-                                        </p:tav>
-                                      </p:tavLst>
-                                    </p:anim>
-                                  </p:childTnLst>
-                                </p:cTn>
-                              </p:par>
-                            </p:childTnLst>
-                          </p:cTn>
-                        </p:par>
-                        <p:par>
-                          <p:cTn id="13" fill="hold">
-                            <p:stCondLst>
-                              <p:cond delay="500"/>
-                            </p:stCondLst>
-                            <p:childTnLst>
-                              <p:par>
-                                <p:cTn id="14" presetID="12" presetClass="entr" presetSubtype="8" fill="hold" grpId="0" nodeType="afterEffect">
-                                  <p:stCondLst>
-                                    <p:cond delay="0"/>
-                                  </p:stCondLst>
-                                  <p:childTnLst>
-                                    <p:set>
-                                      <p:cBhvr>
-                                        <p:cTn id="15" dur="1" fill="hold">
                                           <p:stCondLst>
                                             <p:cond delay="0"/>
                                           </p:stCondLst>
@@ -27872,7 +27467,7 @@
                                     </p:set>
                                     <p:anim calcmode="lin" valueType="num">
                                       <p:cBhvr additive="base">
-                                        <p:cTn id="16" dur="500"/>
+                                        <p:cTn id="7" dur="500"/>
                                         <p:tgtEl>
                                           <p:spTgt spid="6"/>
                                         </p:tgtEl>
@@ -27895,7 +27490,7 @@
                                     </p:anim>
                                     <p:animEffect transition="in" filter="wipe(right)">
                                       <p:cBhvr>
-                                        <p:cTn id="17" dur="500"/>
+                                        <p:cTn id="8" dur="500"/>
                                         <p:tgtEl>
                                           <p:spTgt spid="6"/>
                                         </p:tgtEl>
@@ -27908,20 +27503,20 @@
                           </p:cTn>
                         </p:par>
                         <p:par>
-                          <p:cTn id="18" fill="hold">
+                          <p:cTn id="9" fill="hold">
                             <p:stCondLst>
-                              <p:cond delay="1000"/>
+                              <p:cond delay="500"/>
                             </p:stCondLst>
                             <p:childTnLst>
                               <p:par>
-                                <p:cTn id="19" presetID="12" presetClass="entr" presetSubtype="8" fill="hold" grpId="0" nodeType="afterEffect">
+                                <p:cTn id="10" presetID="12" presetClass="entr" presetSubtype="8" fill="hold" grpId="0" nodeType="afterEffect">
                                   <p:stCondLst>
                                     <p:cond delay="0"/>
                                   </p:stCondLst>
                                   <p:childTnLst>
                                     <p:set>
                                       <p:cBhvr>
-                                        <p:cTn id="20" dur="1" fill="hold">
+                                        <p:cTn id="11" dur="1" fill="hold">
                                           <p:stCondLst>
                                             <p:cond delay="0"/>
                                           </p:stCondLst>
@@ -27939,7 +27534,7 @@
                                     </p:set>
                                     <p:anim calcmode="lin" valueType="num">
                                       <p:cBhvr additive="base">
-                                        <p:cTn id="21" dur="500"/>
+                                        <p:cTn id="12" dur="500"/>
                                         <p:tgtEl>
                                           <p:spTgt spid="7"/>
                                         </p:tgtEl>
@@ -27962,7 +27557,7 @@
                                     </p:anim>
                                     <p:animEffect transition="in" filter="wipe(right)">
                                       <p:cBhvr>
-                                        <p:cTn id="22" dur="500"/>
+                                        <p:cTn id="13" dur="500"/>
                                         <p:tgtEl>
                                           <p:spTgt spid="7"/>
                                         </p:tgtEl>
@@ -27975,20 +27570,20 @@
                           </p:cTn>
                         </p:par>
                         <p:par>
-                          <p:cTn id="23" fill="hold">
+                          <p:cTn id="14" fill="hold">
                             <p:stCondLst>
-                              <p:cond delay="1500"/>
+                              <p:cond delay="1000"/>
                             </p:stCondLst>
                             <p:childTnLst>
                               <p:par>
-                                <p:cTn id="24" presetID="12" presetClass="entr" presetSubtype="8" fill="hold" grpId="0" nodeType="afterEffect">
+                                <p:cTn id="15" presetID="12" presetClass="entr" presetSubtype="8" fill="hold" grpId="0" nodeType="afterEffect">
                                   <p:stCondLst>
                                     <p:cond delay="0"/>
                                   </p:stCondLst>
                                   <p:childTnLst>
                                     <p:set>
                                       <p:cBhvr>
-                                        <p:cTn id="25" dur="1" fill="hold">
+                                        <p:cTn id="16" dur="1" fill="hold">
                                           <p:stCondLst>
                                             <p:cond delay="0"/>
                                           </p:stCondLst>
@@ -28006,7 +27601,7 @@
                                     </p:set>
                                     <p:anim calcmode="lin" valueType="num">
                                       <p:cBhvr additive="base">
-                                        <p:cTn id="26" dur="500"/>
+                                        <p:cTn id="17" dur="500"/>
                                         <p:tgtEl>
                                           <p:spTgt spid="13"/>
                                         </p:tgtEl>
@@ -28029,7 +27624,7 @@
                                     </p:anim>
                                     <p:animEffect transition="in" filter="wipe(right)">
                                       <p:cBhvr>
-                                        <p:cTn id="27" dur="500"/>
+                                        <p:cTn id="18" dur="500"/>
                                         <p:tgtEl>
                                           <p:spTgt spid="13"/>
                                         </p:tgtEl>
@@ -28042,20 +27637,20 @@
                           </p:cTn>
                         </p:par>
                         <p:par>
-                          <p:cTn id="28" fill="hold">
+                          <p:cTn id="19" fill="hold">
                             <p:stCondLst>
-                              <p:cond delay="2000"/>
+                              <p:cond delay="1500"/>
                             </p:stCondLst>
                             <p:childTnLst>
                               <p:par>
-                                <p:cTn id="29" presetID="12" presetClass="entr" presetSubtype="8" fill="hold" grpId="0" nodeType="afterEffect">
+                                <p:cTn id="20" presetID="12" presetClass="entr" presetSubtype="8" fill="hold" grpId="0" nodeType="afterEffect">
                                   <p:stCondLst>
                                     <p:cond delay="0"/>
                                   </p:stCondLst>
                                   <p:childTnLst>
                                     <p:set>
                                       <p:cBhvr>
-                                        <p:cTn id="30" dur="1" fill="hold">
+                                        <p:cTn id="21" dur="1" fill="hold">
                                           <p:stCondLst>
                                             <p:cond delay="0"/>
                                           </p:stCondLst>
@@ -28073,7 +27668,7 @@
                                     </p:set>
                                     <p:anim calcmode="lin" valueType="num">
                                       <p:cBhvr additive="base">
-                                        <p:cTn id="31" dur="500"/>
+                                        <p:cTn id="22" dur="500"/>
                                         <p:tgtEl>
                                           <p:spTgt spid="14"/>
                                         </p:tgtEl>
@@ -28096,7 +27691,7 @@
                                     </p:anim>
                                     <p:animEffect transition="in" filter="wipe(right)">
                                       <p:cBhvr>
-                                        <p:cTn id="32" dur="500"/>
+                                        <p:cTn id="23" dur="500"/>
                                         <p:tgtEl>
                                           <p:spTgt spid="14"/>
                                         </p:tgtEl>
@@ -40962,7 +40557,6 @@
       </a:lstStyle>
     </a:txDef>
   </a:objectDefaults>
-  <a:extraClrSchemeLst/>
   <a:extLst>
     <a:ext uri="{05A4C25C-085E-4340-85A3-A5531E510DB2}">
       <thm15:themeFamily xmlns:thm15="http://schemas.microsoft.com/office/thememl/2012/main" name="Office Theme" id="{62F939B6-93AF-4DB8-9C6B-D6C7DFDC589F}" vid="{4A3C46E8-61CC-4603-A589-7422A47A8E4A}"/>
@@ -41251,8 +40845,6 @@
       </a:bgFillStyleLst>
     </a:fmtScheme>
   </a:themeElements>
-  <a:objectDefaults/>
-  <a:extraClrSchemeLst/>
   <a:extLst>
     <a:ext uri="{05A4C25C-085E-4340-85A3-A5531E510DB2}">
       <thm15:themeFamily xmlns:thm15="http://schemas.microsoft.com/office/thememl/2012/main" name="Office Theme" id="{62F939B6-93AF-4DB8-9C6B-D6C7DFDC589F}" vid="{4A3C46E8-61CC-4603-A589-7422A47A8E4A}"/>
